--- a/Dokumentation/Präsentation/Präsentation1.pptx
+++ b/Dokumentation/Präsentation/Präsentation1.pptx
@@ -116,6 +116,22 @@
       </a:defRPr>
     </a:lvl9pPr>
   </p:defaultTextStyle>
+  <p:extLst>
+    <p:ext uri="{EFAFB233-063F-42B5-8137-9DF3F51BA10A}">
+      <p15:sldGuideLst xmlns:p15="http://schemas.microsoft.com/office/powerpoint/2012/main">
+        <p15:guide id="1" orient="horz" pos="2160">
+          <p15:clr>
+            <a:srgbClr val="A4A3A4"/>
+          </p15:clr>
+        </p15:guide>
+        <p15:guide id="2" pos="2880">
+          <p15:clr>
+            <a:srgbClr val="A4A3A4"/>
+          </p15:clr>
+        </p15:guide>
+      </p15:sldGuideLst>
+    </p:ext>
+  </p:extLst>
 </p:presentation>
 </file>
 
@@ -202,7 +218,7 @@
             <a:fld id="{DCC5E6C2-FC2E-4B18-88D2-411054B79F0D}" type="datetimeFigureOut">
               <a:rPr lang="de-DE" smtClean="0"/>
               <a:pPr/>
-              <a:t>13.08.2015</a:t>
+              <a:t>16.08.2015</a:t>
             </a:fld>
             <a:endParaRPr lang="de-DE"/>
           </a:p>
@@ -371,6 +387,11 @@
         </p:txBody>
       </p:sp>
     </p:spTree>
+    <p:extLst>
+      <p:ext uri="{BB962C8B-B14F-4D97-AF65-F5344CB8AC3E}">
+        <p14:creationId xmlns:p14="http://schemas.microsoft.com/office/powerpoint/2010/main" val="2459951497"/>
+      </p:ext>
+    </p:extLst>
   </p:cSld>
   <p:clrMap bg1="lt1" tx1="dk1" bg2="lt2" tx2="dk2" accent1="accent1" accent2="accent2" accent3="accent3" accent4="accent4" accent5="accent5" accent6="accent6" hlink="hlink" folHlink="folHlink"/>
   <p:notesStyle>
@@ -598,6 +619,11 @@
         </p:txBody>
       </p:sp>
     </p:spTree>
+    <p:extLst>
+      <p:ext uri="{BB962C8B-B14F-4D97-AF65-F5344CB8AC3E}">
+        <p14:creationId xmlns:p14="http://schemas.microsoft.com/office/powerpoint/2010/main" val="3801094472"/>
+      </p:ext>
+    </p:extLst>
   </p:cSld>
   <p:clrMapOvr>
     <a:masterClrMapping/>
@@ -680,6 +706,11 @@
         </p:txBody>
       </p:sp>
     </p:spTree>
+    <p:extLst>
+      <p:ext uri="{BB962C8B-B14F-4D97-AF65-F5344CB8AC3E}">
+        <p14:creationId xmlns:p14="http://schemas.microsoft.com/office/powerpoint/2010/main" val="4292958018"/>
+      </p:ext>
+    </p:extLst>
   </p:cSld>
   <p:clrMapOvr>
     <a:masterClrMapping/>
@@ -754,15 +785,7 @@
             </a:r>
             <a:r>
               <a:rPr lang="de-DE" baseline="0" dirty="0" smtClean="0"/>
-              <a:t> </a:t>
-            </a:r>
-            <a:r>
-              <a:rPr lang="de-DE" baseline="0" dirty="0" smtClean="0"/>
-              <a:t>der </a:t>
-            </a:r>
-            <a:r>
-              <a:rPr lang="de-DE" baseline="0" dirty="0" smtClean="0"/>
-              <a:t>Dokumentation (UML </a:t>
+              <a:t> der Dokumentation (UML </a:t>
             </a:r>
             <a:r>
               <a:rPr lang="de-DE" baseline="0" dirty="0" err="1" smtClean="0"/>
@@ -843,11 +866,7 @@
             </a:pPr>
             <a:r>
               <a:rPr lang="de-DE" baseline="0" dirty="0" smtClean="0"/>
-              <a:t>	Fehlerbehebung anhand der Testprotokolle</a:t>
-            </a:r>
-            <a:r>
-              <a:rPr lang="de-DE" baseline="0" dirty="0" smtClean="0"/>
-              <a:t>.</a:t>
+              <a:t>	Fehlerbehebung anhand der Testprotokolle.</a:t>
             </a:r>
           </a:p>
           <a:p>
@@ -913,11 +932,7 @@
             </a:pPr>
             <a:r>
               <a:rPr lang="de-DE" baseline="0" dirty="0" smtClean="0"/>
-              <a:t>Nach jedem Prototypen werden die Anforderungen geprüft und angepasst das fließt in die komplette Dokumentation mit ein.</a:t>
-            </a:r>
-            <a:r>
-              <a:rPr lang="de-DE" baseline="0" dirty="0" smtClean="0"/>
-              <a:t>	</a:t>
+              <a:t>Nach jedem Prototypen werden die Anforderungen geprüft und angepasst das fließt in die komplette Dokumentation mit ein.	</a:t>
             </a:r>
             <a:endParaRPr lang="de-DE" dirty="0" smtClean="0"/>
           </a:p>
@@ -948,6 +963,11 @@
         </p:txBody>
       </p:sp>
     </p:spTree>
+    <p:extLst>
+      <p:ext uri="{BB962C8B-B14F-4D97-AF65-F5344CB8AC3E}">
+        <p14:creationId xmlns:p14="http://schemas.microsoft.com/office/powerpoint/2010/main" val="1911959957"/>
+      </p:ext>
+    </p:extLst>
   </p:cSld>
   <p:clrMapOvr>
     <a:masterClrMapping/>
@@ -1030,6 +1050,11 @@
         </p:txBody>
       </p:sp>
     </p:spTree>
+    <p:extLst>
+      <p:ext uri="{BB962C8B-B14F-4D97-AF65-F5344CB8AC3E}">
+        <p14:creationId xmlns:p14="http://schemas.microsoft.com/office/powerpoint/2010/main" val="3918536531"/>
+      </p:ext>
+    </p:extLst>
   </p:cSld>
   <p:clrMapOvr>
     <a:masterClrMapping/>
@@ -1120,6 +1145,11 @@
         </p:txBody>
       </p:sp>
     </p:spTree>
+    <p:extLst>
+      <p:ext uri="{BB962C8B-B14F-4D97-AF65-F5344CB8AC3E}">
+        <p14:creationId xmlns:p14="http://schemas.microsoft.com/office/powerpoint/2010/main" val="3630931951"/>
+      </p:ext>
+    </p:extLst>
   </p:cSld>
   <p:clrMapOvr>
     <a:masterClrMapping/>
@@ -1258,6 +1288,11 @@
         </p:txBody>
       </p:sp>
     </p:spTree>
+    <p:extLst>
+      <p:ext uri="{BB962C8B-B14F-4D97-AF65-F5344CB8AC3E}">
+        <p14:creationId xmlns:p14="http://schemas.microsoft.com/office/powerpoint/2010/main" val="2057689219"/>
+      </p:ext>
+    </p:extLst>
   </p:cSld>
   <p:clrMapOvr>
     <a:masterClrMapping/>
@@ -1421,6 +1456,11 @@
         </p:txBody>
       </p:sp>
     </p:spTree>
+    <p:extLst>
+      <p:ext uri="{BB962C8B-B14F-4D97-AF65-F5344CB8AC3E}">
+        <p14:creationId xmlns:p14="http://schemas.microsoft.com/office/powerpoint/2010/main" val="2406852315"/>
+      </p:ext>
+    </p:extLst>
   </p:cSld>
   <p:clrMapOvr>
     <a:masterClrMapping/>
@@ -1610,7 +1650,7 @@
             <a:fld id="{68222BE6-3735-4DC9-A616-97D9161CABBC}" type="datetimeFigureOut">
               <a:rPr lang="de-DE" smtClean="0"/>
               <a:pPr/>
-              <a:t>13.08.2015</a:t>
+              <a:t>16.08.2015</a:t>
             </a:fld>
             <a:endParaRPr lang="de-DE"/>
           </a:p>
@@ -1777,7 +1817,7 @@
             <a:fld id="{68222BE6-3735-4DC9-A616-97D9161CABBC}" type="datetimeFigureOut">
               <a:rPr lang="de-DE" smtClean="0"/>
               <a:pPr/>
-              <a:t>13.08.2015</a:t>
+              <a:t>16.08.2015</a:t>
             </a:fld>
             <a:endParaRPr lang="de-DE"/>
           </a:p>
@@ -1954,7 +1994,7 @@
             <a:fld id="{68222BE6-3735-4DC9-A616-97D9161CABBC}" type="datetimeFigureOut">
               <a:rPr lang="de-DE" smtClean="0"/>
               <a:pPr/>
-              <a:t>13.08.2015</a:t>
+              <a:t>16.08.2015</a:t>
             </a:fld>
             <a:endParaRPr lang="de-DE"/>
           </a:p>
@@ -2121,7 +2161,7 @@
             <a:fld id="{68222BE6-3735-4DC9-A616-97D9161CABBC}" type="datetimeFigureOut">
               <a:rPr lang="de-DE" smtClean="0"/>
               <a:pPr/>
-              <a:t>13.08.2015</a:t>
+              <a:t>16.08.2015</a:t>
             </a:fld>
             <a:endParaRPr lang="de-DE"/>
           </a:p>
@@ -2364,7 +2404,7 @@
             <a:fld id="{68222BE6-3735-4DC9-A616-97D9161CABBC}" type="datetimeFigureOut">
               <a:rPr lang="de-DE" smtClean="0"/>
               <a:pPr/>
-              <a:t>13.08.2015</a:t>
+              <a:t>16.08.2015</a:t>
             </a:fld>
             <a:endParaRPr lang="de-DE"/>
           </a:p>
@@ -2649,7 +2689,7 @@
             <a:fld id="{68222BE6-3735-4DC9-A616-97D9161CABBC}" type="datetimeFigureOut">
               <a:rPr lang="de-DE" smtClean="0"/>
               <a:pPr/>
-              <a:t>13.08.2015</a:t>
+              <a:t>16.08.2015</a:t>
             </a:fld>
             <a:endParaRPr lang="de-DE"/>
           </a:p>
@@ -3068,7 +3108,7 @@
             <a:fld id="{68222BE6-3735-4DC9-A616-97D9161CABBC}" type="datetimeFigureOut">
               <a:rPr lang="de-DE" smtClean="0"/>
               <a:pPr/>
-              <a:t>13.08.2015</a:t>
+              <a:t>16.08.2015</a:t>
             </a:fld>
             <a:endParaRPr lang="de-DE"/>
           </a:p>
@@ -3183,7 +3223,7 @@
             <a:fld id="{68222BE6-3735-4DC9-A616-97D9161CABBC}" type="datetimeFigureOut">
               <a:rPr lang="de-DE" smtClean="0"/>
               <a:pPr/>
-              <a:t>13.08.2015</a:t>
+              <a:t>16.08.2015</a:t>
             </a:fld>
             <a:endParaRPr lang="de-DE"/>
           </a:p>
@@ -3275,7 +3315,7 @@
             <a:fld id="{68222BE6-3735-4DC9-A616-97D9161CABBC}" type="datetimeFigureOut">
               <a:rPr lang="de-DE" smtClean="0"/>
               <a:pPr/>
-              <a:t>13.08.2015</a:t>
+              <a:t>16.08.2015</a:t>
             </a:fld>
             <a:endParaRPr lang="de-DE"/>
           </a:p>
@@ -3549,7 +3589,7 @@
             <a:fld id="{68222BE6-3735-4DC9-A616-97D9161CABBC}" type="datetimeFigureOut">
               <a:rPr lang="de-DE" smtClean="0"/>
               <a:pPr/>
-              <a:t>13.08.2015</a:t>
+              <a:t>16.08.2015</a:t>
             </a:fld>
             <a:endParaRPr lang="de-DE"/>
           </a:p>
@@ -3799,7 +3839,7 @@
             <a:fld id="{68222BE6-3735-4DC9-A616-97D9161CABBC}" type="datetimeFigureOut">
               <a:rPr lang="de-DE" smtClean="0"/>
               <a:pPr/>
-              <a:t>13.08.2015</a:t>
+              <a:t>16.08.2015</a:t>
             </a:fld>
             <a:endParaRPr lang="de-DE"/>
           </a:p>
@@ -4009,7 +4049,7 @@
             <a:fld id="{68222BE6-3735-4DC9-A616-97D9161CABBC}" type="datetimeFigureOut">
               <a:rPr lang="de-DE" smtClean="0"/>
               <a:pPr/>
-              <a:t>13.08.2015</a:t>
+              <a:t>16.08.2015</a:t>
             </a:fld>
             <a:endParaRPr lang="de-DE"/>
           </a:p>
@@ -4520,40 +4560,18 @@
               <a:rPr lang="de-DE" dirty="0" smtClean="0"/>
               <a:t>Ablage aller Projektrelevanten Dokumente im Repository</a:t>
             </a:r>
-            <a:endParaRPr lang="de-DE" dirty="0" smtClean="0"/>
-          </a:p>
-          <a:p>
-            <a:r>
-              <a:rPr lang="de-DE" dirty="0" smtClean="0"/>
-              <a:t>Festlegen von </a:t>
-            </a:r>
-            <a:r>
-              <a:rPr lang="de-DE" dirty="0" smtClean="0"/>
-              <a:t>Meilensteinen </a:t>
-            </a:r>
-            <a:r>
-              <a:rPr lang="de-DE" dirty="0" smtClean="0"/>
-              <a:t>und den zuständigen </a:t>
-            </a:r>
-            <a:r>
-              <a:rPr lang="de-DE" dirty="0" smtClean="0"/>
-              <a:t>Mitarbeitern</a:t>
-            </a:r>
-          </a:p>
-          <a:p>
-            <a:r>
-              <a:rPr lang="de-DE" dirty="0" smtClean="0"/>
-              <a:t>Überführen </a:t>
-            </a:r>
-            <a:r>
-              <a:rPr lang="de-DE" dirty="0" smtClean="0"/>
-              <a:t>von Änderungen mit einem erklärenden </a:t>
-            </a:r>
-            <a:r>
-              <a:rPr lang="de-DE" dirty="0" smtClean="0"/>
-              <a:t>Kommentar</a:t>
-            </a:r>
-            <a:endParaRPr lang="de-DE" dirty="0" smtClean="0"/>
+          </a:p>
+          <a:p>
+            <a:r>
+              <a:rPr lang="de-DE" dirty="0" smtClean="0"/>
+              <a:t>Festlegen von Meilensteinen und den zuständigen Mitarbeitern</a:t>
+            </a:r>
+          </a:p>
+          <a:p>
+            <a:r>
+              <a:rPr lang="de-DE" dirty="0" smtClean="0"/>
+              <a:t>Überführen von Änderungen mit einem erklärenden Kommentar</a:t>
+            </a:r>
           </a:p>
           <a:p>
             <a:r>
@@ -5250,19 +5268,19 @@
             <a:pPr lvl="1"/>
             <a:r>
               <a:rPr lang="de-DE" dirty="0" smtClean="0"/>
-              <a:t>Keine </a:t>
-            </a:r>
-            <a:r>
-              <a:rPr lang="de-DE" dirty="0" err="1" smtClean="0"/>
-              <a:t>App</a:t>
-            </a:r>
-            <a:r>
-              <a:rPr lang="de-DE" dirty="0" smtClean="0"/>
-              <a:t> für </a:t>
-            </a:r>
-            <a:r>
-              <a:rPr lang="de-DE" dirty="0" err="1" smtClean="0"/>
-              <a:t>Android</a:t>
+              <a:t>derzeit keine</a:t>
+            </a:r>
+            <a:r>
+              <a:rPr lang="de-DE" dirty="0" smtClean="0"/>
+              <a:t> </a:t>
+            </a:r>
+            <a:r>
+              <a:rPr lang="de-DE" dirty="0" smtClean="0"/>
+              <a:t>App für </a:t>
+            </a:r>
+            <a:r>
+              <a:rPr lang="de-DE" dirty="0" smtClean="0"/>
+              <a:t>Android vorhanden</a:t>
             </a:r>
             <a:endParaRPr lang="de-DE" dirty="0" smtClean="0"/>
           </a:p>
@@ -5503,12 +5521,12 @@
               <a:t>Lokal sind nur </a:t>
             </a:r>
             <a:r>
-              <a:rPr lang="de-DE" dirty="0" err="1" smtClean="0"/>
-              <a:t>Abreitskopien</a:t>
-            </a:r>
-            <a:r>
-              <a:rPr lang="de-DE" dirty="0" smtClean="0"/>
-              <a:t> davon gespeichert</a:t>
+              <a:rPr lang="de-DE" dirty="0" smtClean="0"/>
+              <a:t>Arbeitskopien </a:t>
+            </a:r>
+            <a:r>
+              <a:rPr lang="de-DE" dirty="0" smtClean="0"/>
+              <a:t>davon gespeichert</a:t>
             </a:r>
           </a:p>
           <a:p>
@@ -5557,11 +5575,7 @@
             <a:pPr lvl="1"/>
             <a:r>
               <a:rPr lang="de-DE" dirty="0" smtClean="0"/>
-              <a:t>Rückfalloption </a:t>
-            </a:r>
-            <a:r>
-              <a:rPr lang="de-DE" dirty="0" smtClean="0"/>
-              <a:t>auf eine frühere Versionen</a:t>
+              <a:t>Rückfalloption auf eine frühere Versionen</a:t>
             </a:r>
           </a:p>
         </p:txBody>
